--- a/Later/Streams/15/Java Stream points.pptx
+++ b/Later/Streams/15/Java Stream points.pptx
@@ -5,10 +5,11 @@
     <p:sldMasterId id="2147483672" r:id="rId1"/>
   </p:sldMasterIdLst>
   <p:notesMasterIdLst>
-    <p:notesMasterId r:id="rId3"/>
+    <p:notesMasterId r:id="rId4"/>
   </p:notesMasterIdLst>
   <p:sldIdLst>
     <p:sldId id="433" r:id="rId2"/>
+    <p:sldId id="434" r:id="rId3"/>
   </p:sldIdLst>
   <p:sldSz cx="9144000" cy="5029200"/>
   <p:notesSz cx="6858000" cy="9144000"/>
@@ -531,6 +532,95 @@
             <a:fld id="{A883C400-BD9D-4609-A213-F91E9750031E}" type="slidenum">
               <a:rPr lang="en-US" smtClean="0"/>
               <a:t>1</a:t>
+            </a:fld>
+            <a:endParaRPr lang="en-US" dirty="0"/>
+          </a:p>
+        </p:txBody>
+      </p:sp>
+    </p:spTree>
+    <p:extLst>
+      <p:ext uri="{BB962C8B-B14F-4D97-AF65-F5344CB8AC3E}">
+        <p14:creationId xmlns:p14="http://schemas.microsoft.com/office/powerpoint/2010/main" val="4195558700"/>
+      </p:ext>
+    </p:extLst>
+  </p:cSld>
+  <p:clrMapOvr>
+    <a:masterClrMapping/>
+  </p:clrMapOvr>
+</p:notes>
+</file>
+
+<file path=ppt/notesSlides/notesSlide2.xml><?xml version="1.0" encoding="utf-8"?>
+<p:notes xmlns:a="http://schemas.openxmlformats.org/drawingml/2006/main" xmlns:r="http://schemas.openxmlformats.org/officeDocument/2006/relationships" xmlns:p="http://schemas.openxmlformats.org/presentationml/2006/main">
+  <p:cSld>
+    <p:spTree>
+      <p:nvGrpSpPr>
+        <p:cNvPr id="1" name=""/>
+        <p:cNvGrpSpPr/>
+        <p:nvPr/>
+      </p:nvGrpSpPr>
+      <p:grpSpPr>
+        <a:xfrm>
+          <a:off x="0" y="0"/>
+          <a:ext cx="0" cy="0"/>
+          <a:chOff x="0" y="0"/>
+          <a:chExt cx="0" cy="0"/>
+        </a:xfrm>
+      </p:grpSpPr>
+      <p:sp>
+        <p:nvSpPr>
+          <p:cNvPr id="2" name="Slide Image Placeholder 1"/>
+          <p:cNvSpPr>
+            <a:spLocks noGrp="1" noRot="1" noChangeAspect="1"/>
+          </p:cNvSpPr>
+          <p:nvPr>
+            <p:ph type="sldImg"/>
+          </p:nvPr>
+        </p:nvSpPr>
+        <p:spPr>
+          <a:xfrm>
+            <a:off x="312738" y="685800"/>
+            <a:ext cx="6232525" cy="3429000"/>
+          </a:xfrm>
+        </p:spPr>
+      </p:sp>
+      <p:sp>
+        <p:nvSpPr>
+          <p:cNvPr id="3" name="Notes Placeholder 2"/>
+          <p:cNvSpPr>
+            <a:spLocks noGrp="1"/>
+          </p:cNvSpPr>
+          <p:nvPr>
+            <p:ph type="body" idx="1"/>
+          </p:nvPr>
+        </p:nvSpPr>
+        <p:spPr/>
+        <p:txBody>
+          <a:bodyPr/>
+          <a:lstStyle/>
+          <a:p>
+            <a:endParaRPr lang="en-US" dirty="0"/>
+          </a:p>
+        </p:txBody>
+      </p:sp>
+      <p:sp>
+        <p:nvSpPr>
+          <p:cNvPr id="4" name="Slide Number Placeholder 3"/>
+          <p:cNvSpPr>
+            <a:spLocks noGrp="1"/>
+          </p:cNvSpPr>
+          <p:nvPr>
+            <p:ph type="sldNum" sz="quarter" idx="10"/>
+          </p:nvPr>
+        </p:nvSpPr>
+        <p:spPr/>
+        <p:txBody>
+          <a:bodyPr/>
+          <a:lstStyle/>
+          <a:p>
+            <a:fld id="{A883C400-BD9D-4609-A213-F91E9750031E}" type="slidenum">
+              <a:rPr lang="en-US" smtClean="0"/>
+              <a:t>2</a:t>
             </a:fld>
             <a:endParaRPr lang="en-US" dirty="0"/>
           </a:p>
@@ -3795,33 +3885,14 @@
               <a:buChar char="ü"/>
             </a:pPr>
             <a:r>
+              <a:rPr lang="en-US" sz="1200" dirty="0"/>
+              <a:t>A stream represents a pipeline through which the data will flow and the functions to operate on the </a:t>
+            </a:r>
+            <a:r>
               <a:rPr lang="en-US" sz="1200" dirty="0" smtClean="0"/>
-              <a:t>A </a:t>
-            </a:r>
-            <a:r>
-              <a:rPr lang="en-US" sz="1200" dirty="0"/>
-              <a:t>Stream </a:t>
-            </a:r>
-            <a:r>
-              <a:rPr lang="en-US" sz="1200" b="1" dirty="0"/>
-              <a:t>is</a:t>
-            </a:r>
-            <a:r>
-              <a:rPr lang="en-US" sz="1200" dirty="0"/>
-              <a:t> a pipeline of functions </a:t>
-            </a:r>
-            <a:r>
-              <a:rPr lang="en-US" sz="1200" dirty="0" smtClean="0"/>
-              <a:t>or operations that </a:t>
-            </a:r>
-            <a:r>
-              <a:rPr lang="en-US" sz="1200" dirty="0"/>
-              <a:t>can be </a:t>
-            </a:r>
-            <a:r>
-              <a:rPr lang="en-US" sz="1200" dirty="0" smtClean="0"/>
-              <a:t>evaluated.</a:t>
-            </a:r>
+              <a:t>data.</a:t>
+            </a:r>
+            <a:endParaRPr lang="en-US" sz="1200" dirty="0" smtClean="0"/>
           </a:p>
           <a:p>
             <a:pPr marL="171450" indent="-171450">
@@ -4178,6 +4249,413 @@
     <p:extLst>
       <p:ext uri="{BB962C8B-B14F-4D97-AF65-F5344CB8AC3E}">
         <p14:creationId xmlns:p14="http://schemas.microsoft.com/office/powerpoint/2010/main" val="4109561506"/>
+      </p:ext>
+    </p:extLst>
+  </p:cSld>
+  <p:clrMapOvr>
+    <a:masterClrMapping/>
+  </p:clrMapOvr>
+  <mc:AlternateContent xmlns:mc="http://schemas.openxmlformats.org/markup-compatibility/2006" xmlns:p14="http://schemas.microsoft.com/office/powerpoint/2010/main">
+    <mc:Choice Requires="p14">
+      <p:transition spd="slow" p14:dur="2000"/>
+    </mc:Choice>
+    <mc:Fallback xmlns="">
+      <p:transition spd="slow"/>
+    </mc:Fallback>
+  </mc:AlternateContent>
+  <p:timing>
+    <p:tnLst>
+      <p:par>
+        <p:cTn id="1" dur="indefinite" restart="never" nodeType="tmRoot"/>
+      </p:par>
+    </p:tnLst>
+  </p:timing>
+</p:sld>
+</file>
+
+<file path=ppt/slides/slide2.xml><?xml version="1.0" encoding="utf-8"?>
+<p:sld xmlns:a="http://schemas.openxmlformats.org/drawingml/2006/main" xmlns:r="http://schemas.openxmlformats.org/officeDocument/2006/relationships" xmlns:p="http://schemas.openxmlformats.org/presentationml/2006/main">
+  <p:cSld>
+    <p:spTree>
+      <p:nvGrpSpPr>
+        <p:cNvPr id="1" name=""/>
+        <p:cNvGrpSpPr/>
+        <p:nvPr/>
+      </p:nvGrpSpPr>
+      <p:grpSpPr>
+        <a:xfrm>
+          <a:off x="0" y="0"/>
+          <a:ext cx="0" cy="0"/>
+          <a:chOff x="0" y="0"/>
+          <a:chExt cx="0" cy="0"/>
+        </a:xfrm>
+      </p:grpSpPr>
+      <p:sp>
+        <p:nvSpPr>
+          <p:cNvPr id="3" name="AutoShape 2" descr="data:image/png;base64,iVBORw0KGgoAAAANSUhEUgAAANEAAADxCAMAAABiSKLrAAAAbFBMVEWIiIj////6+vr29vb19fX4+Pj5+fnu7u77+/v39/f9/f3z8/P+/v709PT8/Pyqqqrt7e3v7+/w8PDx8fHy8vK+vr7Q0NCjo6OBgYHY2Njk5OTHx8eNjY3c3NzGxsbn5+eWlpa1tbWcnJx6enob4+f+AAAIqklEQVR4nO3dCZuaOhQGYEZAh0FkX2W1//8/lkVMICeIkRmOPHz22lYg5OVEZLFzJRNrnC+xSGt3nJvQekMUYktnEiM1ouDrjCs/pukLkzoRtpjmNRcloRUFoiS8oo5UvLwsYpEgCaXoHLYiMRJqkRAJt0iEhFwkQMIqCgJRElpRLErCL3r1oxavSJSEWCRIQikyOtGQNPd8CaXICc04FiXhFomQkIsESChFbmhmwiT0opf3eBivMzSjLuORnh49oKxRKxIloayR24oESShFRScSI6EUJaGZCJNwiwhp/skFcpFAlbCLXiehF71MQisSJiEVVYkwqRP9oEpXI1HSXXRuWjo/2jz3f3v8YfjS7871lbU1EiT1IjrAKrvX/2iurzisijkk8OQC5ah7iERIyEUCJOyi10noRU9J490DUpFPRAApniJhFVnzSaOdOF6RKAmlKGhFgiTMohdIyYeIhEh30aV99E9NLo8VXLqn++Q/mIuIREid6DJsv32s91Ityi1hEtJRl5+ESX2NMKUR2ZYoCbNIjIRV5FiiJIyicx7mriVEKnCKfvxadBIloRQ1NTqJkcICpcgPr7rjOPYJZnFNbZVwikw/YHNlXmDi4xW9kU70jSnNqOu/xL4R0aWg3yNMgNHWp0I66i7Dy5PsdXFuApw1Eg8RndfuykLZa4Q/512EPrsIfzYtOmwje43wh4h+1u7KQvm5bk601wh9NlijXYQ+uwh/HqLrZkTXh+h4PDQP8lQ/PvAlSrT2xl0oRHQ5biOXXYQ+uwh/dhH+7CL82bRI3Ua2XKPvtTfuQvneReizi/BnF+HPLsKfTYu0bYQWsd5PfImIDmtv3IVy2EXos4vwZxfhzy7CH0okbyO7CH+2/D46rr1xF8pxF6HPLsKfXYQ/uwh/KJGyjWxatPZwWShEpK69cReKuovQZxfhzy7Cn12EP0SkGduItmHRzFF3P3r63ZHzTl4YdYqsHg/e/YdF2e7xcFRVrba109gMFp2evGhmjzpFVZLcvJVpl7K8hWaVB1liNVNdJh7VZ4Wd7P4aaa5I866lFEnDRHWksC5eVgtH8VWy8PHGTE5V/rr+QqSocTnm9CpTM+SMmRhVVJcPKbPYv5VFcs7x1F3P1eeikl1sXZHGB0lRLH+eSI75ICk6KZ8nctkOkaQN+cNEWjBRIimU0YpkHY4hmxOgqNIMHRaRJo6giLO+dyM/F1nsvpfqWVAv92Eihe0u3bNE+TgR/FkURfWhUHPMIBsguh6N0yKNs7o/EGkVIEpj+XA8fltJ0GzqDxMdQwBka+2gqQ/p9FYkpaNIiEXuje3OddQfg738rFCTcYmME9sdKXntbY1MBOy802JrotJ6bSUiInLia7y2+aZEbXuyxXbn5vXXGQazDs+6xUWGoql2kXU/DDrOssLWNFmZ65oQufeflwvU6PHDdO8ki/0xu/Rb7RVRvZNJgupW7y3bU+T6JLnej97MPLNUhbPIbJEV9U2y/eknHds5lfhfNMo/sb23oRX5LQXWGUmpGdtz3nxEpOiep7eP+5MFUEZJj+0SCnsCVX/CkrZUQFRvQG+8RkNOzHTi5LL0rW6x8YL0bwolGtdolqir0fQxAyQCNrdsVczFmdFS6fXp+4kSecPMEqntrAYkkklTYI288frkYKI+j+XCYtzRUdCIdMV/7mkWTDNmY6AU6bo5C9QknqwSEpFuzAdJUjZFQiJSoFMWfhIDu0ievDjD5ubquEV6AjVet3krU3B/Hvn8cYdDBJxUSlKVaJqmWvENMiXcImEQKcCYi26W1nZaN9SAXXFkcos0JZpxXLeICDpLDnVSBDkDusAtEhGN72p5J78LcMbn9+nudemgiDSlASLF66cC20NKbZ3qCnAnIfKp9gcxiIjVPj8/8mbVCBY9VsNes42C4YgBrgyUJ06NpkRdCuD8yB418pYIOkl2hyuQ2SOkKOMMO4M76vrBB4sG84Cjjrr5Cooeo4TdLwyGbLsC4IKgD93dHY66lUQye7gQxfqgfdcDhr7JeSOtLoL2dOn4KEdX2E+s0hp24j3RaUERsPnLLBmlYPceaYJVBB0Bja85p8ANn3rXgFX02kEqaSGAeywoGs7zjghYdqYoxyp68USCtMDZfX+wqHomav53fkBcWDSYx4NEBpkuAyLj3oSwSDIVsMM6ETVAp/3V/KG2tP/xRPRccI1IW7Comyr8PupE9052bbW/0yLHpX/1T1wRmQuskULa4oqcd/Z1pjLu6li0zqgDP49m5fmo+2NR3z50zFBYczLsBB6Rxx6y8Q5wRoE7LCaylhM5BnTs7cGdmZP1RZzdygeLXOjW9fg94jYXUnjjbBHRcJ5nImVKBA67fFgkL/HzIE4KRW7vM0/i/kQ0WSPHg75KldHdqc+h7pfZ0jKs/GuDM3hvNSLizSEqoroE1Yia7ELf00kIWS/o09z+EmLA6bC3hMh9TwRskDq51x47e4Zzhc73Qt64wyByPOjmUVT6cZZkcQV+0zxNflX05qgD36tSe3MilcCr1FLEe9sPRDYYjmgwD1wjMl1hm4h0ugF43PETVd6wB3RbKES2Pu+2cr9waHFBWESO+8JtyxrkckFYRDa8dxAAoRHNH3hRNTHkUIlsY9Z3TqR6LzcFokScSsKi4TzPRMYske0VT78XJJkJZ8uTzojV6FdEtmNkE9/diqLUzJTpAtmzalQyF6FvI5ETA9+OpraQwTYhwRvQMYqryX6sNn8vq8AynnqoGuXuCY7N/vMR3R7N47DzePR04J+gjJt4rM7V3SzwzbC8FzYtb2Z1jQtDd3nLDOLmD1E9v90++qfT4Lfh5N+cq/508shXb5st6Ll1cWa2RYu2EUo0p6QfkF2EP7sIf3YR/hCRs3ZXFoqzYdEGR92su1D4Q486yzq1D/L0iS85W67R2l1ZKLsIfzYs4l05+bg8rpxU/lZS3UXbyvZE/wFXu+LXNTDaDQAAAABJRU5ErkJggg=="/>
+          <p:cNvSpPr>
+            <a:spLocks noChangeAspect="1" noChangeArrowheads="1"/>
+          </p:cNvSpPr>
+          <p:nvPr/>
+        </p:nvSpPr>
+        <p:spPr bwMode="auto">
+          <a:xfrm>
+            <a:off x="155575" y="-144463"/>
+            <a:ext cx="304800" cy="304801"/>
+          </a:xfrm>
+          <a:prstGeom prst="rect">
+            <a:avLst/>
+          </a:prstGeom>
+          <a:noFill/>
+          <a:extLst>
+            <a:ext uri="{909E8E84-426E-40DD-AFC4-6F175D3DCCD1}">
+              <a14:hiddenFill xmlns:a14="http://schemas.microsoft.com/office/drawing/2010/main">
+                <a:solidFill>
+                  <a:srgbClr val="FFFFFF"/>
+                </a:solidFill>
+              </a14:hiddenFill>
+            </a:ext>
+          </a:extLst>
+        </p:spPr>
+        <p:txBody>
+          <a:bodyPr vert="horz" wrap="square" lIns="91440" tIns="45720" rIns="91440" bIns="45720" numCol="1" anchor="t" anchorCtr="0" compatLnSpc="1">
+            <a:prstTxWarp prst="textNoShape">
+              <a:avLst/>
+            </a:prstTxWarp>
+          </a:bodyPr>
+          <a:lstStyle/>
+          <a:p>
+            <a:endParaRPr lang="en-US" sz="1200" dirty="0"/>
+          </a:p>
+        </p:txBody>
+      </p:sp>
+      <p:sp>
+        <p:nvSpPr>
+          <p:cNvPr id="17" name="Rectangle 16"/>
+          <p:cNvSpPr/>
+          <p:nvPr/>
+        </p:nvSpPr>
+        <p:spPr>
+          <a:xfrm>
+            <a:off x="3733800" y="9951"/>
+            <a:ext cx="1143000" cy="276999"/>
+          </a:xfrm>
+          <a:prstGeom prst="rect">
+            <a:avLst/>
+          </a:prstGeom>
+        </p:spPr>
+        <p:style>
+          <a:lnRef idx="1">
+            <a:schemeClr val="accent4"/>
+          </a:lnRef>
+          <a:fillRef idx="3">
+            <a:schemeClr val="accent4"/>
+          </a:fillRef>
+          <a:effectRef idx="2">
+            <a:schemeClr val="accent4"/>
+          </a:effectRef>
+          <a:fontRef idx="minor">
+            <a:schemeClr val="lt1"/>
+          </a:fontRef>
+        </p:style>
+        <p:txBody>
+          <a:bodyPr wrap="square">
+            <a:spAutoFit/>
+          </a:bodyPr>
+          <a:lstStyle/>
+          <a:p>
+            <a:pPr algn="ctr"/>
+            <a:r>
+              <a:rPr lang="en-US" sz="1200" dirty="0"/>
+              <a:t>Java </a:t>
+            </a:r>
+            <a:r>
+              <a:rPr lang="en-US" sz="1200" dirty="0" smtClean="0"/>
+              <a:t>Stream</a:t>
+            </a:r>
+            <a:endParaRPr lang="en-US" sz="1200" dirty="0"/>
+          </a:p>
+        </p:txBody>
+      </p:sp>
+      <p:sp>
+        <p:nvSpPr>
+          <p:cNvPr id="2" name="AutoShape 2" descr="Image result for file"/>
+          <p:cNvSpPr>
+            <a:spLocks noChangeAspect="1" noChangeArrowheads="1"/>
+          </p:cNvSpPr>
+          <p:nvPr/>
+        </p:nvSpPr>
+        <p:spPr bwMode="auto">
+          <a:xfrm>
+            <a:off x="307975" y="7937"/>
+            <a:ext cx="304800" cy="304801"/>
+          </a:xfrm>
+          <a:prstGeom prst="rect">
+            <a:avLst/>
+          </a:prstGeom>
+          <a:noFill/>
+          <a:extLst>
+            <a:ext uri="{909E8E84-426E-40DD-AFC4-6F175D3DCCD1}">
+              <a14:hiddenFill xmlns:a14="http://schemas.microsoft.com/office/drawing/2010/main">
+                <a:solidFill>
+                  <a:srgbClr val="FFFFFF"/>
+                </a:solidFill>
+              </a14:hiddenFill>
+            </a:ext>
+          </a:extLst>
+        </p:spPr>
+        <p:txBody>
+          <a:bodyPr vert="horz" wrap="square" lIns="91440" tIns="45720" rIns="91440" bIns="45720" numCol="1" anchor="t" anchorCtr="0" compatLnSpc="1">
+            <a:prstTxWarp prst="textNoShape">
+              <a:avLst/>
+            </a:prstTxWarp>
+          </a:bodyPr>
+          <a:lstStyle/>
+          <a:p>
+            <a:endParaRPr lang="en-US" dirty="0"/>
+          </a:p>
+        </p:txBody>
+      </p:sp>
+      <p:sp>
+        <p:nvSpPr>
+          <p:cNvPr id="4" name="AutoShape 4" descr="Image result for file"/>
+          <p:cNvSpPr>
+            <a:spLocks noChangeAspect="1" noChangeArrowheads="1"/>
+          </p:cNvSpPr>
+          <p:nvPr/>
+        </p:nvSpPr>
+        <p:spPr bwMode="auto">
+          <a:xfrm>
+            <a:off x="460375" y="160337"/>
+            <a:ext cx="304800" cy="304801"/>
+          </a:xfrm>
+          <a:prstGeom prst="rect">
+            <a:avLst/>
+          </a:prstGeom>
+          <a:noFill/>
+          <a:extLst>
+            <a:ext uri="{909E8E84-426E-40DD-AFC4-6F175D3DCCD1}">
+              <a14:hiddenFill xmlns:a14="http://schemas.microsoft.com/office/drawing/2010/main">
+                <a:solidFill>
+                  <a:srgbClr val="FFFFFF"/>
+                </a:solidFill>
+              </a14:hiddenFill>
+            </a:ext>
+          </a:extLst>
+        </p:spPr>
+        <p:txBody>
+          <a:bodyPr vert="horz" wrap="square" lIns="91440" tIns="45720" rIns="91440" bIns="45720" numCol="1" anchor="t" anchorCtr="0" compatLnSpc="1">
+            <a:prstTxWarp prst="textNoShape">
+              <a:avLst/>
+            </a:prstTxWarp>
+          </a:bodyPr>
+          <a:lstStyle/>
+          <a:p>
+            <a:endParaRPr lang="en-US" dirty="0"/>
+          </a:p>
+        </p:txBody>
+      </p:sp>
+      <p:sp>
+        <p:nvSpPr>
+          <p:cNvPr id="7" name="Rounded Rectangle 6"/>
+          <p:cNvSpPr/>
+          <p:nvPr/>
+        </p:nvSpPr>
+        <p:spPr>
+          <a:xfrm>
+            <a:off x="155575" y="465138"/>
+            <a:ext cx="8836025" cy="4411662"/>
+          </a:xfrm>
+          <a:prstGeom prst="roundRect">
+            <a:avLst/>
+          </a:prstGeom>
+          <a:ln w="3175"/>
+        </p:spPr>
+        <p:style>
+          <a:lnRef idx="2">
+            <a:schemeClr val="accent4"/>
+          </a:lnRef>
+          <a:fillRef idx="1">
+            <a:schemeClr val="lt1"/>
+          </a:fillRef>
+          <a:effectRef idx="0">
+            <a:schemeClr val="accent4"/>
+          </a:effectRef>
+          <a:fontRef idx="minor">
+            <a:schemeClr val="dk1"/>
+          </a:fontRef>
+        </p:style>
+        <p:txBody>
+          <a:bodyPr rtlCol="0" anchor="ctr"/>
+          <a:lstStyle/>
+          <a:p>
+            <a:pPr marL="171450" indent="-171450">
+              <a:buFont typeface="Wingdings" pitchFamily="2" charset="2"/>
+              <a:buChar char="ü"/>
+            </a:pPr>
+            <a:r>
+              <a:rPr lang="en-US" sz="1200" dirty="0"/>
+              <a:t>A stream is an abstraction, it’s not a data structure. It’s not a collection where you can store elements. The most important difference between a stream and a structure is that a stream doesn’t hold the data. For example you cannot point to a location in the stream where a certain element exists. You can only specify the functions that operate on that data. A stream is an abstraction of a non-mutable collection of functions applied in some order to the data</a:t>
+            </a:r>
+            <a:r>
+              <a:rPr lang="en-US" sz="1200" dirty="0" smtClean="0"/>
+              <a:t>.</a:t>
+            </a:r>
+          </a:p>
+          <a:p>
+            <a:pPr marL="171450" indent="-171450">
+              <a:buFont typeface="Wingdings" pitchFamily="2" charset="2"/>
+              <a:buChar char="ü"/>
+            </a:pPr>
+            <a:endParaRPr lang="en-US" sz="1200" dirty="0"/>
+          </a:p>
+          <a:p>
+            <a:pPr marL="171450" indent="-171450">
+              <a:buFont typeface="Wingdings" pitchFamily="2" charset="2"/>
+              <a:buChar char="ü"/>
+            </a:pPr>
+            <a:r>
+              <a:rPr lang="en-US" sz="1200" dirty="0"/>
+              <a:t>In Java 8 you can easily obtain a stream from any collection by calling the stream() method</a:t>
+            </a:r>
+            <a:r>
+              <a:rPr lang="en-US" sz="1200" dirty="0" smtClean="0"/>
+              <a:t>.</a:t>
+            </a:r>
+          </a:p>
+          <a:p>
+            <a:pPr marL="171450" indent="-171450">
+              <a:buFont typeface="Wingdings" pitchFamily="2" charset="2"/>
+              <a:buChar char="ü"/>
+            </a:pPr>
+            <a:endParaRPr lang="en-US" sz="1200" dirty="0"/>
+          </a:p>
+          <a:p>
+            <a:pPr marL="171450" indent="-171450">
+              <a:buFont typeface="Wingdings" pitchFamily="2" charset="2"/>
+              <a:buChar char="ü"/>
+            </a:pPr>
+            <a:r>
+              <a:rPr lang="en-US" sz="1200" b="1" dirty="0">
+                <a:solidFill>
+                  <a:srgbClr val="C00000"/>
+                </a:solidFill>
+              </a:rPr>
+              <a:t>Filter</a:t>
+            </a:r>
+            <a:r>
+              <a:rPr lang="en-US" sz="1200" dirty="0">
+                <a:solidFill>
+                  <a:srgbClr val="C00000"/>
+                </a:solidFill>
+              </a:rPr>
+              <a:t> </a:t>
+            </a:r>
+            <a:r>
+              <a:rPr lang="en-US" sz="1200" dirty="0"/>
+              <a:t>returns a new stream that contains some of the elements of the original. It accepts the predicate to compute which elements should be returned in the new stream and removes the rest. In the imperative code we would employ the conditional logic to specify what should happen if an element satisfies the condition. In the functional style we don’t bother with ifs, we filter the stream and work only on the values we require</a:t>
+            </a:r>
+            <a:r>
+              <a:rPr lang="en-US" sz="1200" dirty="0" smtClean="0"/>
+              <a:t>.</a:t>
+            </a:r>
+          </a:p>
+          <a:p>
+            <a:pPr marL="171450" indent="-171450">
+              <a:buFont typeface="Wingdings" pitchFamily="2" charset="2"/>
+              <a:buChar char="ü"/>
+            </a:pPr>
+            <a:endParaRPr lang="en-US" sz="1200" dirty="0"/>
+          </a:p>
+          <a:p>
+            <a:pPr marL="171450" indent="-171450">
+              <a:buFont typeface="Wingdings" pitchFamily="2" charset="2"/>
+              <a:buChar char="ü"/>
+            </a:pPr>
+            <a:r>
+              <a:rPr lang="en-US" sz="1200" b="1" dirty="0">
+                <a:solidFill>
+                  <a:srgbClr val="C00000"/>
+                </a:solidFill>
+              </a:rPr>
+              <a:t>Map</a:t>
+            </a:r>
+            <a:r>
+              <a:rPr lang="en-US" sz="1200" dirty="0"/>
+              <a:t> transforms the stream elements into something else, it accepts a function to apply to each and every element of the stream and returns a stream of the values the parameter function produced. This is the bread and butter of the streams API, map allows you to perform a computation on the data inside a stream</a:t>
+            </a:r>
+            <a:r>
+              <a:rPr lang="en-US" sz="1200" dirty="0" smtClean="0"/>
+              <a:t>.</a:t>
+            </a:r>
+          </a:p>
+          <a:p>
+            <a:pPr marL="171450" indent="-171450">
+              <a:buFont typeface="Wingdings" pitchFamily="2" charset="2"/>
+              <a:buChar char="ü"/>
+            </a:pPr>
+            <a:endParaRPr lang="en-US" sz="1200" dirty="0"/>
+          </a:p>
+          <a:p>
+            <a:pPr marL="171450" indent="-171450">
+              <a:buFont typeface="Wingdings" pitchFamily="2" charset="2"/>
+              <a:buChar char="ü"/>
+            </a:pPr>
+            <a:r>
+              <a:rPr lang="en-US" sz="1200" b="1" dirty="0">
+                <a:solidFill>
+                  <a:srgbClr val="C00000"/>
+                </a:solidFill>
+              </a:rPr>
+              <a:t>Reduce</a:t>
+            </a:r>
+            <a:r>
+              <a:rPr lang="en-US" sz="1200" dirty="0"/>
+              <a:t> (also sometimes called a fold) performs a reduction of the stream to a single element. You want to sum all the integer values in the stream – you want to use the reduce function. You want to find the maximum in the stream – reduce is your friend</a:t>
+            </a:r>
+            <a:r>
+              <a:rPr lang="en-US" sz="1200" dirty="0" smtClean="0"/>
+              <a:t>.</a:t>
+            </a:r>
+          </a:p>
+          <a:p>
+            <a:pPr marL="171450" indent="-171450">
+              <a:buFont typeface="Wingdings" pitchFamily="2" charset="2"/>
+              <a:buChar char="ü"/>
+            </a:pPr>
+            <a:endParaRPr lang="en-US" sz="1200" dirty="0"/>
+          </a:p>
+          <a:p>
+            <a:pPr marL="171450" indent="-171450">
+              <a:buFont typeface="Wingdings" pitchFamily="2" charset="2"/>
+              <a:buChar char="ü"/>
+            </a:pPr>
+            <a:r>
+              <a:rPr lang="en-US" sz="1200" b="1" dirty="0">
+                <a:solidFill>
+                  <a:srgbClr val="C00000"/>
+                </a:solidFill>
+              </a:rPr>
+              <a:t>Collect</a:t>
+            </a:r>
+            <a:r>
+              <a:rPr lang="en-US" sz="1200" dirty="0"/>
+              <a:t> is the way to get out of the streams world and obtain a concrete collection of values, like a list in the example above.</a:t>
+            </a:r>
+          </a:p>
+          <a:p>
+            <a:pPr marL="171450" indent="-171450">
+              <a:buFont typeface="Wingdings" pitchFamily="2" charset="2"/>
+              <a:buChar char="ü"/>
+            </a:pPr>
+            <a:endParaRPr lang="en-US" sz="1200" dirty="0"/>
+          </a:p>
+        </p:txBody>
+      </p:sp>
+    </p:spTree>
+    <p:extLst>
+      <p:ext uri="{BB962C8B-B14F-4D97-AF65-F5344CB8AC3E}">
+        <p14:creationId xmlns:p14="http://schemas.microsoft.com/office/powerpoint/2010/main" val="4234169136"/>
       </p:ext>
     </p:extLst>
   </p:cSld>
